--- a/presentation/Projet_enrichissement_shiny.pptx
+++ b/presentation/Projet_enrichissement_shiny.pptx
@@ -4870,7 +4870,7 @@
                 </a:solidFill>
                 <a:latin typeface="Bahnschrift SemiBold" panose="020B0502040204020203" pitchFamily="34" charset="0"/>
               </a:rPr>
-              <a:t>Projet d'enrichissement fonctionnel </a:t>
+              <a:t>Projet d'Enrichissement Fonctionnel </a:t>
             </a:r>
           </a:p>
           <a:p>
@@ -5737,9 +5737,9 @@
           <p:grpSpPr>
             <a:xfrm>
               <a:off x="4184465" y="1966403"/>
-              <a:ext cx="6969501" cy="646331"/>
+              <a:ext cx="7035224" cy="646331"/>
               <a:chOff x="4162694" y="2123944"/>
-              <a:chExt cx="6969501" cy="646331"/>
+              <a:chExt cx="7035224" cy="646331"/>
             </a:xfrm>
           </p:grpSpPr>
           <p:sp>
@@ -5811,7 +5811,7 @@
             <p:spPr>
               <a:xfrm>
                 <a:off x="4476206" y="2123944"/>
-                <a:ext cx="6655989" cy="646331"/>
+                <a:ext cx="6721712" cy="646331"/>
               </a:xfrm>
               <a:prstGeom prst="rect">
                 <a:avLst/>
@@ -5846,7 +5846,7 @@
                     </a:solidFill>
                     <a:latin typeface="Bahnschrift SemiBold" panose="020B0502040204020203" pitchFamily="34" charset="0"/>
                   </a:rPr>
-                  <a:t>Gitlab</a:t>
+                  <a:t>GitLab</a:t>
                 </a:r>
                 <a:r>
                   <a:rPr lang="fr-FR" dirty="0">
@@ -5979,7 +5979,7 @@
                     </a:solidFill>
                     <a:latin typeface="Bahnschrift SemiBold" panose="020B0502040204020203" pitchFamily="34" charset="0"/>
                   </a:rPr>
-                  <a:t>Déployer l'application sur une serveur web pour faciliter l'utilisation </a:t>
+                  <a:t>Déployer l'application sur un serveur web pour faciliter l'utilisation </a:t>
                 </a:r>
               </a:p>
               <a:p>
@@ -6017,9 +6017,9 @@
           <p:grpSpPr>
             <a:xfrm>
               <a:off x="4184465" y="3460810"/>
-              <a:ext cx="5399229" cy="646331"/>
+              <a:ext cx="5705402" cy="646331"/>
               <a:chOff x="4184465" y="2789032"/>
-              <a:chExt cx="5399229" cy="646331"/>
+              <a:chExt cx="5705402" cy="646331"/>
             </a:xfrm>
           </p:grpSpPr>
           <p:sp>
@@ -6091,7 +6091,7 @@
             <p:spPr>
               <a:xfrm>
                 <a:off x="4476206" y="2789032"/>
-                <a:ext cx="5107488" cy="646331"/>
+                <a:ext cx="5413661" cy="646331"/>
               </a:xfrm>
               <a:prstGeom prst="rect">
                 <a:avLst/>
@@ -6138,7 +6138,7 @@
                     </a:solidFill>
                     <a:latin typeface="Bahnschrift SemiBold" panose="020B0502040204020203" pitchFamily="34" charset="0"/>
                   </a:rPr>
-                  <a:t> (NCBIID, …)</a:t>
+                  <a:t> (ENTREZID, …)</a:t>
                 </a:r>
               </a:p>
               <a:p>
@@ -6273,7 +6273,7 @@
                     </a:solidFill>
                     <a:latin typeface="Bahnschrift SemiBold" panose="020B0502040204020203" pitchFamily="34" charset="0"/>
                   </a:rPr>
-                  <a:t>des analyses.</a:t>
+                  <a:t>des analyses</a:t>
                 </a:r>
               </a:p>
               <a:p>
@@ -8091,10 +8091,10 @@
         </p:nvGrpSpPr>
         <p:grpSpPr>
           <a:xfrm>
-            <a:off x="3381723" y="4946592"/>
-            <a:ext cx="5431552" cy="1061704"/>
-            <a:chOff x="3381723" y="4859502"/>
-            <a:chExt cx="5431552" cy="1061704"/>
+            <a:off x="2908919" y="4803828"/>
+            <a:ext cx="7020554" cy="1204468"/>
+            <a:chOff x="2908919" y="4716738"/>
+            <a:chExt cx="7020554" cy="1204468"/>
           </a:xfrm>
         </p:grpSpPr>
         <p:grpSp>
@@ -8237,8 +8237,8 @@
           </p:nvSpPr>
           <p:spPr>
             <a:xfrm>
-              <a:off x="3381723" y="5251649"/>
-              <a:ext cx="1467068" cy="369332"/>
+              <a:off x="2908919" y="5114742"/>
+              <a:ext cx="1863011" cy="800219"/>
             </a:xfrm>
             <a:prstGeom prst="rect">
               <a:avLst/>
@@ -8251,56 +8251,42 @@
             </a:bodyPr>
             <a:lstStyle/>
             <a:p>
+              <a:pPr algn="ctr"/>
               <a:r>
-                <a:rPr lang="fr-FR" dirty="0">
+                <a:rPr lang="fr-FR" sz="1400" dirty="0">
                   <a:latin typeface="Bahnschrift SemiBold" panose="020B0502040204020203" pitchFamily="34" charset="0"/>
                 </a:rPr>
-                <a:t>exemple.csv</a:t>
+                <a:t>Matrice de comptage</a:t>
               </a:r>
+            </a:p>
+            <a:p>
+              <a:pPr algn="ctr"/>
+              <a:r>
+                <a:rPr lang="fr-FR" sz="1400" dirty="0">
+                  <a:latin typeface="Bahnschrift SemiBold" panose="020B0502040204020203" pitchFamily="34" charset="0"/>
+                </a:rPr>
+                <a:t>(RNA-</a:t>
+              </a:r>
+              <a:r>
+                <a:rPr lang="fr-FR" sz="1400" dirty="0" err="1">
+                  <a:latin typeface="Bahnschrift SemiBold" panose="020B0502040204020203" pitchFamily="34" charset="0"/>
+                </a:rPr>
+                <a:t>seq</a:t>
+              </a:r>
+              <a:r>
+                <a:rPr lang="fr-FR" sz="1400" dirty="0">
+                  <a:latin typeface="Bahnschrift SemiBold" panose="020B0502040204020203" pitchFamily="34" charset="0"/>
+                </a:rPr>
+                <a:t> DEG) </a:t>
+              </a:r>
+            </a:p>
+            <a:p>
+              <a:endParaRPr lang="fr-FR" dirty="0">
+                <a:latin typeface="Bahnschrift SemiBold" panose="020B0502040204020203" pitchFamily="34" charset="0"/>
+              </a:endParaRPr>
             </a:p>
           </p:txBody>
         </p:sp>
-        <p:cxnSp>
-          <p:nvCxnSpPr>
-            <p:cNvPr id="22" name="Connecteur droit avec flèche 21">
-              <a:extLst>
-                <a:ext uri="{FF2B5EF4-FFF2-40B4-BE49-F238E27FC236}">
-                  <a16:creationId xmlns:a16="http://schemas.microsoft.com/office/drawing/2014/main" id="{7D8E8B6B-BE92-4651-B174-F35D05D9CBDA}"/>
-                </a:ext>
-              </a:extLst>
-            </p:cNvPr>
-            <p:cNvCxnSpPr>
-              <a:stCxn id="19" idx="3"/>
-            </p:cNvCxnSpPr>
-            <p:nvPr/>
-          </p:nvCxnSpPr>
-          <p:spPr>
-            <a:xfrm>
-              <a:off x="4848791" y="5436315"/>
-              <a:ext cx="524398" cy="0"/>
-            </a:xfrm>
-            <a:prstGeom prst="straightConnector1">
-              <a:avLst/>
-            </a:prstGeom>
-            <a:ln w="28575">
-              <a:tailEnd type="triangle"/>
-            </a:ln>
-          </p:spPr>
-          <p:style>
-            <a:lnRef idx="1">
-              <a:schemeClr val="dk1"/>
-            </a:lnRef>
-            <a:fillRef idx="0">
-              <a:schemeClr val="dk1"/>
-            </a:fillRef>
-            <a:effectRef idx="0">
-              <a:schemeClr val="dk1"/>
-            </a:effectRef>
-            <a:fontRef idx="minor">
-              <a:schemeClr val="tx1"/>
-            </a:fontRef>
-          </p:style>
-        </p:cxnSp>
         <p:cxnSp>
           <p:nvCxnSpPr>
             <p:cNvPr id="24" name="Connecteur droit avec flèche 23">
@@ -8315,7 +8301,7 @@
           </p:nvCxnSpPr>
           <p:spPr>
             <a:xfrm>
-              <a:off x="6860470" y="5436315"/>
+              <a:off x="4793555" y="5414088"/>
               <a:ext cx="524398" cy="0"/>
             </a:xfrm>
             <a:prstGeom prst="straightConnector1">
@@ -8354,7 +8340,7 @@
           </p:nvSpPr>
           <p:spPr>
             <a:xfrm>
-              <a:off x="3585701" y="4860993"/>
+              <a:off x="3428120" y="4815594"/>
               <a:ext cx="926857" cy="369332"/>
             </a:xfrm>
             <a:prstGeom prst="rect">
@@ -8397,7 +8383,7 @@
           </p:nvSpPr>
           <p:spPr>
             <a:xfrm>
-              <a:off x="7605703" y="4859502"/>
+              <a:off x="7989405" y="4795979"/>
               <a:ext cx="1000595" cy="369332"/>
             </a:xfrm>
             <a:prstGeom prst="rect">
@@ -8440,8 +8426,8 @@
           </p:nvSpPr>
           <p:spPr>
             <a:xfrm>
-              <a:off x="7504904" y="5117891"/>
-              <a:ext cx="1308371" cy="646331"/>
+              <a:off x="7177088" y="5152478"/>
+              <a:ext cx="2752385" cy="523220"/>
             </a:xfrm>
             <a:prstGeom prst="rect">
               <a:avLst/>
@@ -8449,7 +8435,54 @@
             <a:noFill/>
           </p:spPr>
           <p:txBody>
-            <a:bodyPr wrap="none" rtlCol="0">
+            <a:bodyPr wrap="square" rtlCol="0">
+              <a:spAutoFit/>
+            </a:bodyPr>
+            <a:lstStyle/>
+            <a:p>
+              <a:pPr algn="ctr"/>
+              <a:r>
+                <a:rPr lang="fr-FR" sz="1400" dirty="0">
+                  <a:latin typeface="Bahnschrift SemiBold" panose="020B0502040204020203" pitchFamily="34" charset="0"/>
+                </a:rPr>
+                <a:t>Résultats des différentes </a:t>
+              </a:r>
+            </a:p>
+            <a:p>
+              <a:pPr algn="ctr"/>
+              <a:r>
+                <a:rPr lang="fr-FR" sz="1400" dirty="0">
+                  <a:latin typeface="Bahnschrift SemiBold" panose="020B0502040204020203" pitchFamily="34" charset="0"/>
+                </a:rPr>
+                <a:t>analyses d'enrichissement</a:t>
+              </a:r>
+            </a:p>
+          </p:txBody>
+        </p:sp>
+        <p:sp>
+          <p:nvSpPr>
+            <p:cNvPr id="51" name="ZoneTexte 50">
+              <a:extLst>
+                <a:ext uri="{FF2B5EF4-FFF2-40B4-BE49-F238E27FC236}">
+                  <a16:creationId xmlns:a16="http://schemas.microsoft.com/office/drawing/2014/main" id="{C4556280-FB15-4911-91DD-D8FA5ACAA3F2}"/>
+                </a:ext>
+              </a:extLst>
+            </p:cNvPr>
+            <p:cNvSpPr txBox="1"/>
+            <p:nvPr/>
+          </p:nvSpPr>
+          <p:spPr>
+            <a:xfrm>
+              <a:off x="4573304" y="4716738"/>
+              <a:ext cx="3038138" cy="369332"/>
+            </a:xfrm>
+            <a:prstGeom prst="rect">
+              <a:avLst/>
+            </a:prstGeom>
+            <a:noFill/>
+          </p:spPr>
+          <p:txBody>
+            <a:bodyPr wrap="square" rtlCol="0">
               <a:spAutoFit/>
             </a:bodyPr>
             <a:lstStyle/>
@@ -8457,21 +8490,27 @@
               <a:pPr algn="ctr"/>
               <a:r>
                 <a:rPr lang="fr-FR" dirty="0">
+                  <a:solidFill>
+                    <a:srgbClr val="D23328"/>
+                  </a:solidFill>
                   <a:latin typeface="Bahnschrift SemiBold" panose="020B0502040204020203" pitchFamily="34" charset="0"/>
                 </a:rPr>
-                <a:t>application</a:t>
+                <a:t>Application </a:t>
               </a:r>
-            </a:p>
-            <a:p>
-              <a:pPr algn="ctr"/>
               <a:r>
                 <a:rPr lang="fr-FR" dirty="0" err="1">
+                  <a:solidFill>
+                    <a:srgbClr val="D23328"/>
+                  </a:solidFill>
                   <a:latin typeface="Bahnschrift SemiBold" panose="020B0502040204020203" pitchFamily="34" charset="0"/>
                 </a:rPr>
                 <a:t>Shiny</a:t>
               </a:r>
               <a:r>
                 <a:rPr lang="fr-FR" dirty="0">
+                  <a:solidFill>
+                    <a:srgbClr val="D23328"/>
+                  </a:solidFill>
                   <a:latin typeface="Bahnschrift SemiBold" panose="020B0502040204020203" pitchFamily="34" charset="0"/>
                 </a:rPr>
                 <a:t> </a:t>
@@ -8494,10 +8533,10 @@
         </p:nvGrpSpPr>
         <p:grpSpPr>
           <a:xfrm>
-            <a:off x="2060384" y="297098"/>
-            <a:ext cx="7869089" cy="5022760"/>
-            <a:chOff x="1250702" y="109422"/>
-            <a:chExt cx="8133896" cy="5303183"/>
+            <a:off x="1991395" y="-226029"/>
+            <a:ext cx="7938078" cy="5022760"/>
+            <a:chOff x="1179391" y="-442911"/>
+            <a:chExt cx="8205207" cy="5303183"/>
           </a:xfrm>
         </p:grpSpPr>
         <p:sp>
@@ -8514,7 +8553,7 @@
           </p:nvSpPr>
           <p:spPr>
             <a:xfrm>
-              <a:off x="1447812" y="109422"/>
+              <a:off x="1179391" y="-442911"/>
               <a:ext cx="6877004" cy="5303183"/>
             </a:xfrm>
             <a:prstGeom prst="rect">
@@ -12865,7 +12904,7 @@
               <a:noFill/>
               <a:ln w="19050">
                 <a:solidFill>
-                  <a:schemeClr val="tx1"/>
+                  <a:srgbClr val="D23328"/>
                 </a:solidFill>
               </a:ln>
             </p:spPr>
@@ -13172,8 +13211,8 @@
         </p:nvSpPr>
         <p:spPr>
           <a:xfrm>
-            <a:off x="5387419" y="3417525"/>
-            <a:ext cx="6705682" cy="1150251"/>
+            <a:off x="5387419" y="3275903"/>
+            <a:ext cx="6705682" cy="1519583"/>
           </a:xfrm>
           <a:prstGeom prst="rect">
             <a:avLst/>
@@ -13242,7 +13281,29 @@
                 <a:latin typeface="Bahnschrift SemiBold" panose="020B0502040204020203" pitchFamily="34" charset="0"/>
                 <a:sym typeface="Wingdings" panose="05000000000000000000" pitchFamily="2" charset="2"/>
               </a:rPr>
-              <a:t>Ajout de la colonne à postériori</a:t>
+              <a:t>Appel de cette fonction pour générer le tableau de résultat</a:t>
+            </a:r>
+          </a:p>
+          <a:p>
+            <a:pPr marL="285750" indent="-285750">
+              <a:lnSpc>
+                <a:spcPct val="150000"/>
+              </a:lnSpc>
+              <a:buFont typeface="Wingdings" panose="05000000000000000000" pitchFamily="2" charset="2"/>
+              <a:buChar char="à"/>
+            </a:pPr>
+            <a:r>
+              <a:rPr lang="fr-FR" sz="1600" dirty="0">
+                <a:solidFill>
+                  <a:schemeClr val="tx1">
+                    <a:lumMod val="75000"/>
+                    <a:lumOff val="25000"/>
+                  </a:schemeClr>
+                </a:solidFill>
+                <a:latin typeface="Bahnschrift SemiBold" panose="020B0502040204020203" pitchFamily="34" charset="0"/>
+                <a:sym typeface="Wingdings" panose="05000000000000000000" pitchFamily="2" charset="2"/>
+              </a:rPr>
+              <a:t>Utilisation de ce tableau pour tous les plots ORA </a:t>
             </a:r>
             <a:endParaRPr lang="fr-FR" sz="1600" dirty="0">
               <a:solidFill>
@@ -14004,7 +14065,7 @@
               <a:noFill/>
               <a:ln w="19050">
                 <a:solidFill>
-                  <a:schemeClr val="tx1"/>
+                  <a:srgbClr val="D23328"/>
                 </a:solidFill>
               </a:ln>
             </p:spPr>
@@ -14915,9 +14976,9 @@
             <p:grpSpPr>
               <a:xfrm>
                 <a:off x="8793834" y="795328"/>
-                <a:ext cx="3171826" cy="1183513"/>
+                <a:ext cx="3171826" cy="1169061"/>
                 <a:chOff x="7012031" y="2380733"/>
-                <a:chExt cx="3171826" cy="1183513"/>
+                <a:chExt cx="3171826" cy="1169061"/>
               </a:xfrm>
             </p:grpSpPr>
             <p:pic>
@@ -14964,7 +15025,7 @@
               <p:spPr>
                 <a:xfrm>
                   <a:off x="7012032" y="2402196"/>
-                  <a:ext cx="3171825" cy="1162050"/>
+                  <a:ext cx="3171825" cy="1147598"/>
                 </a:xfrm>
                 <a:prstGeom prst="rect">
                   <a:avLst/>
@@ -15357,7 +15418,7 @@
         <p:spPr>
           <a:xfrm>
             <a:off x="3513833" y="6073063"/>
-            <a:ext cx="3719288" cy="411588"/>
+            <a:ext cx="2755883" cy="411588"/>
           </a:xfrm>
           <a:prstGeom prst="rect">
             <a:avLst/>
@@ -15382,8 +15443,23 @@
                 </a:solidFill>
                 <a:latin typeface="Bahnschrift SemiBold" panose="020B0502040204020203" pitchFamily="34" charset="0"/>
               </a:rPr>
-              <a:t>Création simplifiée de boutons de plot </a:t>
+              <a:t>Création </a:t>
             </a:r>
+            <a:r>
+              <a:rPr lang="fr-FR" sz="1600">
+                <a:solidFill>
+                  <a:srgbClr val="D6584E"/>
+                </a:solidFill>
+                <a:latin typeface="Bahnschrift SemiBold" panose="020B0502040204020203" pitchFamily="34" charset="0"/>
+              </a:rPr>
+              <a:t>simplifiée de plots </a:t>
+            </a:r>
+            <a:endParaRPr lang="fr-FR" sz="1600" dirty="0">
+              <a:solidFill>
+                <a:srgbClr val="D6584E"/>
+              </a:solidFill>
+              <a:latin typeface="Bahnschrift SemiBold" panose="020B0502040204020203" pitchFamily="34" charset="0"/>
+            </a:endParaRPr>
           </a:p>
         </p:txBody>
       </p:sp>
@@ -16315,7 +16391,7 @@
           <p:spPr>
             <a:xfrm>
               <a:off x="6731663" y="4503837"/>
-              <a:ext cx="4150360" cy="1895391"/>
+              <a:ext cx="4150360" cy="1695336"/>
             </a:xfrm>
             <a:prstGeom prst="rect">
               <a:avLst/>
@@ -16540,7 +16616,7 @@
                   <a:latin typeface="Bahnschrift SemiBold" panose="020B0502040204020203" pitchFamily="34" charset="0"/>
                   <a:cs typeface="Arial MT"/>
                 </a:rPr>
-                <a:t>Pas de cahier des charges précis (besoin d'attendre des rdv pour des choses à ajouter, …)</a:t>
+                <a:t>Pas de cahier des charges suffisamment précis</a:t>
               </a:r>
             </a:p>
           </p:txBody>
@@ -16799,7 +16875,7 @@
                     </a:solidFill>
                     <a:latin typeface="Bahnschrift SemiBold" panose="020B0502040204020203" pitchFamily="34" charset="0"/>
                   </a:rPr>
-                  <a:t>Problème avec la sélection d'organismes</a:t>
+                  <a:t>Problème avec la sélection des organismes</a:t>
                 </a:r>
               </a:p>
             </p:txBody>

--- a/presentation/Projet_enrichissement_shiny.pptx
+++ b/presentation/Projet_enrichissement_shiny.pptx
@@ -8518,6 +8518,45 @@
             </a:p>
           </p:txBody>
         </p:sp>
+        <p:cxnSp>
+          <p:nvCxnSpPr>
+            <p:cNvPr id="62" name="Connecteur droit avec flèche 61">
+              <a:extLst>
+                <a:ext uri="{FF2B5EF4-FFF2-40B4-BE49-F238E27FC236}">
+                  <a16:creationId xmlns:a16="http://schemas.microsoft.com/office/drawing/2014/main" id="{62453B7E-6F0B-401E-9C16-C055ACE96219}"/>
+                </a:ext>
+              </a:extLst>
+            </p:cNvPr>
+            <p:cNvCxnSpPr/>
+            <p:nvPr/>
+          </p:nvCxnSpPr>
+          <p:spPr>
+            <a:xfrm>
+              <a:off x="6858097" y="5391228"/>
+              <a:ext cx="524398" cy="0"/>
+            </a:xfrm>
+            <a:prstGeom prst="straightConnector1">
+              <a:avLst/>
+            </a:prstGeom>
+            <a:ln w="28575">
+              <a:tailEnd type="triangle"/>
+            </a:ln>
+          </p:spPr>
+          <p:style>
+            <a:lnRef idx="1">
+              <a:schemeClr val="dk1"/>
+            </a:lnRef>
+            <a:fillRef idx="0">
+              <a:schemeClr val="dk1"/>
+            </a:fillRef>
+            <a:effectRef idx="0">
+              <a:schemeClr val="dk1"/>
+            </a:effectRef>
+            <a:fontRef idx="minor">
+              <a:schemeClr val="tx1"/>
+            </a:fontRef>
+          </p:style>
+        </p:cxnSp>
       </p:grpSp>
       <p:grpSp>
         <p:nvGrpSpPr>
@@ -15443,23 +15482,8 @@
                 </a:solidFill>
                 <a:latin typeface="Bahnschrift SemiBold" panose="020B0502040204020203" pitchFamily="34" charset="0"/>
               </a:rPr>
-              <a:t>Création </a:t>
+              <a:t>Création simplifiée de plots </a:t>
             </a:r>
-            <a:r>
-              <a:rPr lang="fr-FR" sz="1600">
-                <a:solidFill>
-                  <a:srgbClr val="D6584E"/>
-                </a:solidFill>
-                <a:latin typeface="Bahnschrift SemiBold" panose="020B0502040204020203" pitchFamily="34" charset="0"/>
-              </a:rPr>
-              <a:t>simplifiée de plots </a:t>
-            </a:r>
-            <a:endParaRPr lang="fr-FR" sz="1600" dirty="0">
-              <a:solidFill>
-                <a:srgbClr val="D6584E"/>
-              </a:solidFill>
-              <a:latin typeface="Bahnschrift SemiBold" panose="020B0502040204020203" pitchFamily="34" charset="0"/>
-            </a:endParaRPr>
           </a:p>
         </p:txBody>
       </p:sp>

--- a/presentation/Projet_enrichissement_shiny.pptx
+++ b/presentation/Projet_enrichissement_shiny.pptx
@@ -9223,7 +9223,7 @@
             <p:spPr>
               <a:xfrm>
                 <a:off x="3507571" y="2768634"/>
-                <a:ext cx="1136850" cy="600164"/>
+                <a:ext cx="1175107" cy="633671"/>
               </a:xfrm>
               <a:prstGeom prst="rect">
                 <a:avLst/>
@@ -9271,7 +9271,29 @@
                     </a:solidFill>
                     <a:latin typeface="Bahnschrift SemiBold" panose="020B0502040204020203" pitchFamily="34" charset="0"/>
                   </a:rPr>
-                  <a:t>tuto_start.ong</a:t>
+                  <a:t>tuto_</a:t>
+                </a:r>
+                <a:r>
+                  <a:rPr lang="fr-FR" sz="1100" err="1">
+                    <a:solidFill>
+                      <a:schemeClr val="accent2">
+                        <a:lumMod val="75000"/>
+                      </a:schemeClr>
+                    </a:solidFill>
+                    <a:latin typeface="Bahnschrift SemiBold" panose="020B0502040204020203" pitchFamily="34" charset="0"/>
+                  </a:rPr>
+                  <a:t>start</a:t>
+                </a:r>
+                <a:r>
+                  <a:rPr lang="fr-FR" sz="1100">
+                    <a:solidFill>
+                      <a:schemeClr val="accent2">
+                        <a:lumMod val="75000"/>
+                      </a:schemeClr>
+                    </a:solidFill>
+                    <a:latin typeface="Bahnschrift SemiBold" panose="020B0502040204020203" pitchFamily="34" charset="0"/>
+                  </a:rPr>
+                  <a:t>.png</a:t>
                 </a:r>
                 <a:endParaRPr lang="fr-FR" sz="1100" dirty="0">
                   <a:solidFill>

--- a/presentation/Projet_enrichissement_shiny.pptx
+++ b/presentation/Projet_enrichissement_shiny.pptx
@@ -8572,10 +8572,10 @@
         </p:nvGrpSpPr>
         <p:grpSpPr>
           <a:xfrm>
-            <a:off x="1991395" y="-226029"/>
-            <a:ext cx="7938078" cy="5022760"/>
+            <a:off x="2341229" y="318136"/>
+            <a:ext cx="7664920" cy="4725086"/>
             <a:chOff x="1179391" y="-442911"/>
-            <a:chExt cx="8205207" cy="5303183"/>
+            <a:chExt cx="8205207" cy="5091607"/>
           </a:xfrm>
         </p:grpSpPr>
         <p:sp>
@@ -8593,7 +8593,7 @@
           <p:spPr>
             <a:xfrm>
               <a:off x="1179391" y="-442911"/>
-              <a:ext cx="6877004" cy="5303183"/>
+              <a:ext cx="6877004" cy="5091607"/>
             </a:xfrm>
             <a:prstGeom prst="rect">
               <a:avLst/>
@@ -8637,7 +8637,7 @@
             <a:lstStyle/>
             <a:p>
               <a:pPr algn="ctr"/>
-              <a:endParaRPr lang="fr-FR"/>
+              <a:endParaRPr lang="fr-FR" dirty="0"/>
             </a:p>
           </p:txBody>
         </p:sp>
@@ -9263,7 +9263,7 @@
               </a:p>
               <a:p>
                 <a:r>
-                  <a:rPr lang="fr-FR" sz="1100" dirty="0" err="1">
+                  <a:rPr lang="fr-FR" sz="1100" dirty="0">
                     <a:solidFill>
                       <a:schemeClr val="accent2">
                         <a:lumMod val="75000"/>
@@ -9271,38 +9271,8 @@
                     </a:solidFill>
                     <a:latin typeface="Bahnschrift SemiBold" panose="020B0502040204020203" pitchFamily="34" charset="0"/>
                   </a:rPr>
-                  <a:t>tuto_</a:t>
+                  <a:t>tuto_start.png</a:t>
                 </a:r>
-                <a:r>
-                  <a:rPr lang="fr-FR" sz="1100" err="1">
-                    <a:solidFill>
-                      <a:schemeClr val="accent2">
-                        <a:lumMod val="75000"/>
-                      </a:schemeClr>
-                    </a:solidFill>
-                    <a:latin typeface="Bahnschrift SemiBold" panose="020B0502040204020203" pitchFamily="34" charset="0"/>
-                  </a:rPr>
-                  <a:t>start</a:t>
-                </a:r>
-                <a:r>
-                  <a:rPr lang="fr-FR" sz="1100">
-                    <a:solidFill>
-                      <a:schemeClr val="accent2">
-                        <a:lumMod val="75000"/>
-                      </a:schemeClr>
-                    </a:solidFill>
-                    <a:latin typeface="Bahnschrift SemiBold" panose="020B0502040204020203" pitchFamily="34" charset="0"/>
-                  </a:rPr>
-                  <a:t>.png</a:t>
-                </a:r>
-                <a:endParaRPr lang="fr-FR" sz="1100" dirty="0">
-                  <a:solidFill>
-                    <a:schemeClr val="accent2">
-                      <a:lumMod val="75000"/>
-                    </a:schemeClr>
-                  </a:solidFill>
-                  <a:latin typeface="Bahnschrift SemiBold" panose="020B0502040204020203" pitchFamily="34" charset="0"/>
-                </a:endParaRPr>
               </a:p>
             </p:txBody>
           </p:sp>
